--- a/Wastewater Metagenomic Viral Detection Tool Assessment-1218.pptx
+++ b/Wastewater Metagenomic Viral Detection Tool Assessment-1218.pptx
@@ -3316,7 +3316,7 @@
           <a:lstStyle/>
           <a:p>
             <a:r>
-              <a:rPr lang="en-US" b="1" dirty="0" err="1"/>
+              <a:rPr lang="en-US" b="1" dirty="0"/>
               <a:t>sourmash</a:t>
             </a:r>
             <a:endParaRPr lang="en-US" dirty="0"/>
@@ -3338,7 +3338,7 @@
         <p:spPr>
           <a:xfrm>
             <a:off x="678425" y="1366878"/>
-            <a:ext cx="8096865" cy="4924425"/>
+            <a:ext cx="8096865" cy="4585871"/>
           </a:xfrm>
           <a:prstGeom prst="rect">
             <a:avLst/>
@@ -3461,8 +3461,6 @@
               </a:rPr>
               <a:t>Suitable for large-scale retrieval</a:t>
             </a:r>
-          </a:p>
-          <a:p>
             <a:endParaRPr lang="en-US" sz="2200" b="1" dirty="0">
               <a:solidFill>
                 <a:srgbClr val="1F2328"/>
@@ -3514,6 +3512,26 @@
             </a:r>
           </a:p>
           <a:p>
+            <a:r>
+              <a:rPr lang="en-US" sz="2200" b="1" dirty="0">
+                <a:solidFill>
+                  <a:srgbClr val="1F2328"/>
+                </a:solidFill>
+                <a:latin typeface="Times New Roman" panose="02020603050405020304" pitchFamily="18" charset="0"/>
+                <a:cs typeface="Times New Roman" panose="02020603050405020304" pitchFamily="18" charset="0"/>
+              </a:rPr>
+              <a:t>Database</a:t>
+            </a:r>
+            <a:r>
+              <a:rPr lang="en-US" sz="2200" dirty="0">
+                <a:solidFill>
+                  <a:srgbClr val="1F2328"/>
+                </a:solidFill>
+                <a:latin typeface="Times New Roman" panose="02020603050405020304" pitchFamily="18" charset="0"/>
+                <a:cs typeface="Times New Roman" panose="02020603050405020304" pitchFamily="18" charset="0"/>
+              </a:rPr>
+              <a:t>: Sourmash NCBI Viruses database (pre-built)</a:t>
+            </a:r>
             <a:endParaRPr lang="en-US" sz="2200" b="1" dirty="0">
               <a:solidFill>
                 <a:srgbClr val="1F2328"/>
@@ -3662,7 +3680,7 @@
         <p:spPr>
           <a:xfrm>
             <a:off x="622382" y="1304800"/>
-            <a:ext cx="8229600" cy="4862870"/>
+            <a:ext cx="8229600" cy="3939540"/>
           </a:xfrm>
           <a:prstGeom prst="rect">
             <a:avLst/>
@@ -3751,8 +3769,6 @@
               </a:rPr>
               <a:t> that uniquely distinguish species</a:t>
             </a:r>
-          </a:p>
-          <a:p>
             <a:endParaRPr lang="en-US" sz="2000" b="1" dirty="0">
               <a:solidFill>
                 <a:srgbClr val="1F2328"/>
@@ -3784,6 +3800,66 @@
             </a:r>
           </a:p>
           <a:p>
+            <a:r>
+              <a:rPr lang="en-US" altLang="zh-CN" sz="2000" b="1" dirty="0">
+                <a:solidFill>
+                  <a:srgbClr val="1F2328"/>
+                </a:solidFill>
+                <a:latin typeface="Times New Roman" panose="02020603050405020304" pitchFamily="18" charset="0"/>
+                <a:cs typeface="Times New Roman" panose="02020603050405020304" pitchFamily="18" charset="0"/>
+              </a:rPr>
+              <a:t>Database</a:t>
+            </a:r>
+            <a:r>
+              <a:rPr lang="en-US" altLang="zh-CN" sz="2000" dirty="0">
+                <a:solidFill>
+                  <a:srgbClr val="1F2328"/>
+                </a:solidFill>
+                <a:latin typeface="Times New Roman" panose="02020603050405020304" pitchFamily="18" charset="0"/>
+                <a:cs typeface="Times New Roman" panose="02020603050405020304" pitchFamily="18" charset="0"/>
+              </a:rPr>
+              <a:t>:</a:t>
+            </a:r>
+            <a:r>
+              <a:rPr lang="zh-CN" altLang="en-US" sz="2000" dirty="0">
+                <a:solidFill>
+                  <a:srgbClr val="1F2328"/>
+                </a:solidFill>
+                <a:latin typeface="Times New Roman" panose="02020603050405020304" pitchFamily="18" charset="0"/>
+                <a:cs typeface="Times New Roman" panose="02020603050405020304" pitchFamily="18" charset="0"/>
+              </a:rPr>
+              <a:t> </a:t>
+            </a:r>
+            <a:r>
+              <a:rPr lang="en-US" sz="2000" dirty="0">
+                <a:solidFill>
+                  <a:srgbClr val="1F2328"/>
+                </a:solidFill>
+                <a:latin typeface="Times New Roman" panose="02020603050405020304" pitchFamily="18" charset="0"/>
+                <a:cs typeface="Times New Roman" panose="02020603050405020304" pitchFamily="18" charset="0"/>
+              </a:rPr>
+              <a:t>NCBI </a:t>
+            </a:r>
+            <a:r>
+              <a:rPr lang="en-US" sz="2000" dirty="0" err="1">
+                <a:solidFill>
+                  <a:srgbClr val="1F2328"/>
+                </a:solidFill>
+                <a:latin typeface="Times New Roman" panose="02020603050405020304" pitchFamily="18" charset="0"/>
+                <a:cs typeface="Times New Roman" panose="02020603050405020304" pitchFamily="18" charset="0"/>
+              </a:rPr>
+              <a:t>RefSeq</a:t>
+            </a:r>
+            <a:r>
+              <a:rPr lang="en-US" sz="2000" dirty="0">
+                <a:solidFill>
+                  <a:srgbClr val="1F2328"/>
+                </a:solidFill>
+                <a:latin typeface="Times New Roman" panose="02020603050405020304" pitchFamily="18" charset="0"/>
+                <a:cs typeface="Times New Roman" panose="02020603050405020304" pitchFamily="18" charset="0"/>
+              </a:rPr>
+              <a:t> Virus Database</a:t>
+            </a:r>
             <a:endParaRPr lang="en-US" sz="2000" b="1" dirty="0">
               <a:solidFill>
                 <a:srgbClr val="1F2328"/>
@@ -3813,8 +3889,6 @@
               </a:rPr>
               <a:t>: Fast speed, good specificity</a:t>
             </a:r>
-          </a:p>
-          <a:p>
             <a:endParaRPr lang="en-US" sz="2000" b="1" dirty="0">
               <a:solidFill>
                 <a:srgbClr val="1F2328"/>
@@ -3896,8 +3970,6 @@
               </a:rPr>
               <a:t> matching</a:t>
             </a:r>
-          </a:p>
-          <a:p>
             <a:endParaRPr lang="en-US" sz="2000" b="1" dirty="0">
               <a:solidFill>
                 <a:srgbClr val="1F2328"/>
@@ -4102,6 +4174,26 @@
             </a:r>
           </a:p>
           <a:p>
+            <a:r>
+              <a:rPr lang="en-US" sz="2200" b="1" dirty="0">
+                <a:solidFill>
+                  <a:srgbClr val="1F2328"/>
+                </a:solidFill>
+                <a:latin typeface="Times New Roman" panose="02020603050405020304" pitchFamily="18" charset="0"/>
+                <a:cs typeface="Times New Roman" panose="02020603050405020304" pitchFamily="18" charset="0"/>
+              </a:rPr>
+              <a:t>Database: </a:t>
+            </a:r>
+            <a:r>
+              <a:rPr lang="en-US" sz="2200" dirty="0">
+                <a:solidFill>
+                  <a:srgbClr val="1F2328"/>
+                </a:solidFill>
+                <a:latin typeface="Times New Roman" panose="02020603050405020304" pitchFamily="18" charset="0"/>
+                <a:cs typeface="Times New Roman" panose="02020603050405020304" pitchFamily="18" charset="0"/>
+              </a:rPr>
+              <a:t>Kraken2 Viral Database</a:t>
+            </a:r>
             <a:endParaRPr lang="en-US" sz="2200" b="1" dirty="0">
               <a:solidFill>
                 <a:srgbClr val="1F2328"/>
@@ -4335,7 +4427,7 @@
         <p:spPr>
           <a:xfrm>
             <a:off x="1047135" y="1158066"/>
-            <a:ext cx="7501030" cy="5816977"/>
+            <a:ext cx="7501030" cy="4739759"/>
           </a:xfrm>
           <a:prstGeom prst="rect">
             <a:avLst/>
@@ -4367,7 +4459,7 @@
           </a:p>
           <a:p>
             <a:r>
-              <a:rPr lang="en-US" sz="2200" b="1" dirty="0">
+              <a:rPr lang="en-US" sz="2000" b="1" dirty="0">
                 <a:solidFill>
                   <a:srgbClr val="1F2328"/>
                 </a:solidFill>
@@ -4377,7 +4469,7 @@
               <a:t>Positioning</a:t>
             </a:r>
             <a:r>
-              <a:rPr lang="en-US" sz="2200" dirty="0">
+              <a:rPr lang="en-US" sz="2000" dirty="0">
                 <a:solidFill>
                   <a:srgbClr val="1F2328"/>
                 </a:solidFill>
@@ -4386,9 +4478,7 @@
               </a:rPr>
               <a:t>: Assembly + RVDB homology search + viral feature validation</a:t>
             </a:r>
-          </a:p>
-          <a:p>
-            <a:endParaRPr lang="en-US" sz="2200" b="1" dirty="0">
+            <a:endParaRPr lang="en-US" sz="2000" b="1" dirty="0">
               <a:solidFill>
                 <a:srgbClr val="1F2328"/>
               </a:solidFill>
@@ -4398,7 +4488,7 @@
           </a:p>
           <a:p>
             <a:r>
-              <a:rPr lang="en-US" sz="2200" b="1" dirty="0">
+              <a:rPr lang="en-US" sz="2000" b="1" dirty="0">
                 <a:solidFill>
                   <a:srgbClr val="1F2328"/>
                 </a:solidFill>
@@ -4408,7 +4498,7 @@
               <a:t>Core Objective</a:t>
             </a:r>
             <a:r>
-              <a:rPr lang="en-US" sz="2200" dirty="0">
+              <a:rPr lang="en-US" sz="2000" dirty="0">
                 <a:solidFill>
                   <a:srgbClr val="1F2328"/>
                 </a:solidFill>
@@ -4419,7 +4509,111 @@
             </a:r>
           </a:p>
           <a:p>
-            <a:endParaRPr lang="en-US" sz="2200" b="1" dirty="0">
+            <a:r>
+              <a:rPr lang="en-US" sz="2000" b="1" dirty="0">
+                <a:solidFill>
+                  <a:srgbClr val="1F2328"/>
+                </a:solidFill>
+                <a:latin typeface="Times New Roman" panose="02020603050405020304" pitchFamily="18" charset="0"/>
+                <a:cs typeface="Times New Roman" panose="02020603050405020304" pitchFamily="18" charset="0"/>
+              </a:rPr>
+              <a:t>Database: </a:t>
+            </a:r>
+            <a:r>
+              <a:rPr lang="en-US" sz="2000" dirty="0" err="1"/>
+              <a:t>RVDB</a:t>
+            </a:r>
+            <a:r>
+              <a:rPr lang="en-US" sz="2000" dirty="0" err="1">
+                <a:solidFill>
+                  <a:srgbClr val="1F2328"/>
+                </a:solidFill>
+                <a:latin typeface="Times New Roman" panose="02020603050405020304" pitchFamily="18" charset="0"/>
+                <a:cs typeface="Times New Roman" panose="02020603050405020304" pitchFamily="18" charset="0"/>
+              </a:rPr>
+              <a:t>（Reference</a:t>
+            </a:r>
+            <a:r>
+              <a:rPr lang="en-US" sz="2000" dirty="0">
+                <a:solidFill>
+                  <a:srgbClr val="1F2328"/>
+                </a:solidFill>
+                <a:latin typeface="Times New Roman" panose="02020603050405020304" pitchFamily="18" charset="0"/>
+                <a:cs typeface="Times New Roman" panose="02020603050405020304" pitchFamily="18" charset="0"/>
+              </a:rPr>
+              <a:t> Viral Database）</a:t>
+            </a:r>
+          </a:p>
+          <a:p>
+            <a:r>
+              <a:rPr lang="en-US" sz="2000" b="1" dirty="0">
+                <a:solidFill>
+                  <a:srgbClr val="1F2328"/>
+                </a:solidFill>
+                <a:latin typeface="Times New Roman" panose="02020603050405020304" pitchFamily="18" charset="0"/>
+                <a:cs typeface="Times New Roman" panose="02020603050405020304" pitchFamily="18" charset="0"/>
+              </a:rPr>
+              <a:t>Advantages</a:t>
+            </a:r>
+            <a:r>
+              <a:rPr lang="en-US" sz="2000" dirty="0">
+                <a:solidFill>
+                  <a:srgbClr val="1F2328"/>
+                </a:solidFill>
+                <a:latin typeface="Times New Roman" panose="02020603050405020304" pitchFamily="18" charset="0"/>
+                <a:cs typeface="Times New Roman" panose="02020603050405020304" pitchFamily="18" charset="0"/>
+              </a:rPr>
+              <a:t>:</a:t>
+            </a:r>
+          </a:p>
+          <a:p>
+            <a:pPr>
+              <a:buFont typeface="Arial" panose="020B0604020202020204" pitchFamily="34" charset="0"/>
+              <a:buChar char="•"/>
+            </a:pPr>
+            <a:r>
+              <a:rPr lang="en-US" sz="2000" dirty="0">
+                <a:solidFill>
+                  <a:srgbClr val="1F2328"/>
+                </a:solidFill>
+                <a:latin typeface="Times New Roman" panose="02020603050405020304" pitchFamily="18" charset="0"/>
+                <a:cs typeface="Times New Roman" panose="02020603050405020304" pitchFamily="18" charset="0"/>
+              </a:rPr>
+              <a:t>RVDB database optimized for viruses</a:t>
+            </a:r>
+          </a:p>
+          <a:p>
+            <a:pPr>
+              <a:buFont typeface="Arial" panose="020B0604020202020204" pitchFamily="34" charset="0"/>
+              <a:buChar char="•"/>
+            </a:pPr>
+            <a:r>
+              <a:rPr lang="en-US" sz="2000" dirty="0">
+                <a:solidFill>
+                  <a:srgbClr val="1F2328"/>
+                </a:solidFill>
+                <a:latin typeface="Times New Roman" panose="02020603050405020304" pitchFamily="18" charset="0"/>
+                <a:cs typeface="Times New Roman" panose="02020603050405020304" pitchFamily="18" charset="0"/>
+              </a:rPr>
+              <a:t>Protein-level search discovers distant sequences</a:t>
+            </a:r>
+          </a:p>
+          <a:p>
+            <a:pPr>
+              <a:buFont typeface="Arial" panose="020B0604020202020204" pitchFamily="34" charset="0"/>
+              <a:buChar char="•"/>
+            </a:pPr>
+            <a:r>
+              <a:rPr lang="en-US" sz="2000" dirty="0">
+                <a:solidFill>
+                  <a:srgbClr val="1F2328"/>
+                </a:solidFill>
+                <a:latin typeface="Times New Roman" panose="02020603050405020304" pitchFamily="18" charset="0"/>
+                <a:cs typeface="Times New Roman" panose="02020603050405020304" pitchFamily="18" charset="0"/>
+              </a:rPr>
+              <a:t>Particularly suitable for large viruses like NCLDV</a:t>
+            </a:r>
+            <a:endParaRPr lang="en-US" sz="2000" b="1" dirty="0">
               <a:solidFill>
                 <a:srgbClr val="1F2328"/>
               </a:solidFill>
@@ -4429,86 +4623,7 @@
           </a:p>
           <a:p>
             <a:r>
-              <a:rPr lang="en-US" sz="2200" b="1" dirty="0">
-                <a:solidFill>
-                  <a:srgbClr val="1F2328"/>
-                </a:solidFill>
-                <a:latin typeface="Times New Roman" panose="02020603050405020304" pitchFamily="18" charset="0"/>
-                <a:cs typeface="Times New Roman" panose="02020603050405020304" pitchFamily="18" charset="0"/>
-              </a:rPr>
-              <a:t>Advantages</a:t>
-            </a:r>
-            <a:r>
-              <a:rPr lang="en-US" sz="2200" dirty="0">
-                <a:solidFill>
-                  <a:srgbClr val="1F2328"/>
-                </a:solidFill>
-                <a:latin typeface="Times New Roman" panose="02020603050405020304" pitchFamily="18" charset="0"/>
-                <a:cs typeface="Times New Roman" panose="02020603050405020304" pitchFamily="18" charset="0"/>
-              </a:rPr>
-              <a:t>:</a:t>
-            </a:r>
-          </a:p>
-          <a:p>
-            <a:pPr>
-              <a:buFont typeface="Arial" panose="020B0604020202020204" pitchFamily="34" charset="0"/>
-              <a:buChar char="•"/>
-            </a:pPr>
-            <a:r>
-              <a:rPr lang="en-US" sz="2200" dirty="0">
-                <a:solidFill>
-                  <a:srgbClr val="1F2328"/>
-                </a:solidFill>
-                <a:latin typeface="Times New Roman" panose="02020603050405020304" pitchFamily="18" charset="0"/>
-                <a:cs typeface="Times New Roman" panose="02020603050405020304" pitchFamily="18" charset="0"/>
-              </a:rPr>
-              <a:t>RVDB database optimized for viruses</a:t>
-            </a:r>
-          </a:p>
-          <a:p>
-            <a:pPr>
-              <a:buFont typeface="Arial" panose="020B0604020202020204" pitchFamily="34" charset="0"/>
-              <a:buChar char="•"/>
-            </a:pPr>
-            <a:r>
-              <a:rPr lang="en-US" sz="2200" dirty="0">
-                <a:solidFill>
-                  <a:srgbClr val="1F2328"/>
-                </a:solidFill>
-                <a:latin typeface="Times New Roman" panose="02020603050405020304" pitchFamily="18" charset="0"/>
-                <a:cs typeface="Times New Roman" panose="02020603050405020304" pitchFamily="18" charset="0"/>
-              </a:rPr>
-              <a:t>Protein-level search discovers distant sequences</a:t>
-            </a:r>
-          </a:p>
-          <a:p>
-            <a:pPr>
-              <a:buFont typeface="Arial" panose="020B0604020202020204" pitchFamily="34" charset="0"/>
-              <a:buChar char="•"/>
-            </a:pPr>
-            <a:r>
-              <a:rPr lang="en-US" sz="2200" dirty="0">
-                <a:solidFill>
-                  <a:srgbClr val="1F2328"/>
-                </a:solidFill>
-                <a:latin typeface="Times New Roman" panose="02020603050405020304" pitchFamily="18" charset="0"/>
-                <a:cs typeface="Times New Roman" panose="02020603050405020304" pitchFamily="18" charset="0"/>
-              </a:rPr>
-              <a:t>Particularly suitable for large viruses like NCLDV</a:t>
-            </a:r>
-          </a:p>
-          <a:p>
-            <a:endParaRPr lang="en-US" sz="2200" b="1" dirty="0">
-              <a:solidFill>
-                <a:srgbClr val="1F2328"/>
-              </a:solidFill>
-              <a:latin typeface="Times New Roman" panose="02020603050405020304" pitchFamily="18" charset="0"/>
-              <a:cs typeface="Times New Roman" panose="02020603050405020304" pitchFamily="18" charset="0"/>
-            </a:endParaRPr>
-          </a:p>
-          <a:p>
-            <a:r>
-              <a:rPr lang="en-US" sz="2200" b="1" dirty="0">
+              <a:rPr lang="en-US" sz="2000" b="1" dirty="0">
                 <a:solidFill>
                   <a:srgbClr val="1F2328"/>
                 </a:solidFill>
@@ -4518,7 +4633,7 @@
               <a:t>Read Compatibility</a:t>
             </a:r>
             <a:r>
-              <a:rPr lang="en-US" sz="2200" dirty="0">
+              <a:rPr lang="en-US" sz="2000" dirty="0">
                 <a:solidFill>
                   <a:srgbClr val="1F2328"/>
                 </a:solidFill>
@@ -4536,6 +4651,36 @@
           </a:p>
         </p:txBody>
       </p:sp>
+      <p:pic>
+        <p:nvPicPr>
+          <p:cNvPr id="6" name="Picture 5">
+            <a:extLst>
+              <a:ext uri="{FF2B5EF4-FFF2-40B4-BE49-F238E27FC236}">
+                <a16:creationId xmlns:a16="http://schemas.microsoft.com/office/drawing/2014/main" id="{85504AD7-3904-4433-A12E-E95B0DAA5A71}"/>
+              </a:ext>
+            </a:extLst>
+          </p:cNvPr>
+          <p:cNvPicPr>
+            <a:picLocks noChangeAspect="1"/>
+          </p:cNvPicPr>
+          <p:nvPr/>
+        </p:nvPicPr>
+        <p:blipFill>
+          <a:blip r:embed="rId2"/>
+          <a:stretch>
+            <a:fillRect/>
+          </a:stretch>
+        </p:blipFill>
+        <p:spPr>
+          <a:xfrm>
+            <a:off x="1394234" y="5652358"/>
+            <a:ext cx="5748950" cy="931004"/>
+          </a:xfrm>
+          <a:prstGeom prst="rect">
+            <a:avLst/>
+          </a:prstGeom>
+        </p:spPr>
+      </p:pic>
     </p:spTree>
     <p:extLst>
       <p:ext uri="{BB962C8B-B14F-4D97-AF65-F5344CB8AC3E}">
@@ -4619,7 +4764,9 @@
         </p:nvSpPr>
         <p:spPr/>
         <p:txBody>
-          <a:bodyPr/>
+          <a:bodyPr>
+            <a:normAutofit fontScale="92500" lnSpcReduction="10000"/>
+          </a:bodyPr>
           <a:lstStyle/>
           <a:p>
             <a:pPr marL="0" indent="0">
@@ -4661,31 +4808,48 @@
             </a:r>
           </a:p>
           <a:p>
+            <a:pPr>
+              <a:buFont typeface="Arial" panose="020B0604020202020204" pitchFamily="34" charset="0"/>
+              <a:buChar char="•"/>
+            </a:pPr>
+            <a:r>
+              <a:rPr lang="en-US" altLang="zh-CN" sz="2400" b="1" dirty="0">
+                <a:latin typeface="Times New Roman" panose="02020603050405020304" pitchFamily="18" charset="0"/>
+                <a:cs typeface="Times New Roman" panose="02020603050405020304" pitchFamily="18" charset="0"/>
+              </a:rPr>
+              <a:t>Database: </a:t>
+            </a:r>
+          </a:p>
+          <a:p>
             <a:pPr marL="0" indent="0">
               <a:buNone/>
             </a:pPr>
-            <a:endParaRPr lang="en-US" sz="2400" dirty="0">
-              <a:latin typeface="Times New Roman" panose="02020603050405020304" pitchFamily="18" charset="0"/>
-              <a:cs typeface="Times New Roman" panose="02020603050405020304" pitchFamily="18" charset="0"/>
-            </a:endParaRPr>
-          </a:p>
-          <a:p>
             <a:r>
               <a:rPr lang="en-US" sz="2400" b="1" dirty="0">
                 <a:latin typeface="Times New Roman" panose="02020603050405020304" pitchFamily="18" charset="0"/>
                 <a:cs typeface="Times New Roman" panose="02020603050405020304" pitchFamily="18" charset="0"/>
               </a:rPr>
-              <a:t>Strategy</a:t>
+              <a:t>    </a:t>
             </a:r>
             <a:r>
               <a:rPr lang="en-US" sz="2400" dirty="0">
                 <a:latin typeface="Times New Roman" panose="02020603050405020304" pitchFamily="18" charset="0"/>
                 <a:cs typeface="Times New Roman" panose="02020603050405020304" pitchFamily="18" charset="0"/>
               </a:rPr>
-              <a:t>: VirSorter2 + </a:t>
+              <a:t>1.</a:t>
+            </a:r>
+            <a:r>
+              <a:rPr lang="en-US" sz="2400" b="1" dirty="0">
+                <a:latin typeface="Times New Roman" panose="02020603050405020304" pitchFamily="18" charset="0"/>
+                <a:cs typeface="Times New Roman" panose="02020603050405020304" pitchFamily="18" charset="0"/>
+              </a:rPr>
+              <a:t> </a:t>
             </a:r>
             <a:r>
               <a:rPr lang="en-US" sz="2400" dirty="0" err="1">
+                <a:solidFill>
+                  <a:srgbClr val="FF0000"/>
+                </a:solidFill>
                 <a:latin typeface="Times New Roman" panose="02020603050405020304" pitchFamily="18" charset="0"/>
                 <a:cs typeface="Times New Roman" panose="02020603050405020304" pitchFamily="18" charset="0"/>
               </a:rPr>
@@ -4696,31 +4860,127 @@
                 <a:latin typeface="Times New Roman" panose="02020603050405020304" pitchFamily="18" charset="0"/>
                 <a:cs typeface="Times New Roman" panose="02020603050405020304" pitchFamily="18" charset="0"/>
               </a:rPr>
-              <a:t> + </a:t>
-            </a:r>
-            <a:r>
-              <a:rPr lang="en-US" sz="2400" dirty="0" err="1">
-                <a:latin typeface="Times New Roman" panose="02020603050405020304" pitchFamily="18" charset="0"/>
-                <a:cs typeface="Times New Roman" panose="02020603050405020304" pitchFamily="18" charset="0"/>
-              </a:rPr>
-              <a:t>viralFlye</a:t>
-            </a:r>
-            <a:r>
-              <a:rPr lang="en-US" sz="2400" dirty="0">
-                <a:latin typeface="Times New Roman" panose="02020603050405020304" pitchFamily="18" charset="0"/>
-                <a:cs typeface="Times New Roman" panose="02020603050405020304" pitchFamily="18" charset="0"/>
-              </a:rPr>
-              <a:t> voting</a:t>
+              <a:t> does not rely on any viral reference sequence database.</a:t>
             </a:r>
           </a:p>
           <a:p>
             <a:pPr marL="0" indent="0">
               <a:buNone/>
             </a:pPr>
-            <a:endParaRPr lang="en-US" sz="2400" dirty="0">
-              <a:latin typeface="Times New Roman" panose="02020603050405020304" pitchFamily="18" charset="0"/>
-              <a:cs typeface="Times New Roman" panose="02020603050405020304" pitchFamily="18" charset="0"/>
-            </a:endParaRPr>
+            <a:r>
+              <a:rPr lang="en-US" sz="2400" dirty="0">
+                <a:latin typeface="Times New Roman" panose="02020603050405020304" pitchFamily="18" charset="0"/>
+                <a:cs typeface="Times New Roman" panose="02020603050405020304" pitchFamily="18" charset="0"/>
+              </a:rPr>
+              <a:t>    2. </a:t>
+            </a:r>
+            <a:r>
+              <a:rPr lang="en-US" sz="2400" dirty="0">
+                <a:solidFill>
+                  <a:srgbClr val="FF0000"/>
+                </a:solidFill>
+                <a:latin typeface="Times New Roman" panose="02020603050405020304" pitchFamily="18" charset="0"/>
+                <a:cs typeface="Times New Roman" panose="02020603050405020304" pitchFamily="18" charset="0"/>
+              </a:rPr>
+              <a:t>VirSorter2</a:t>
+            </a:r>
+            <a:r>
+              <a:rPr lang="en-US" sz="2400" dirty="0">
+                <a:latin typeface="Times New Roman" panose="02020603050405020304" pitchFamily="18" charset="0"/>
+                <a:cs typeface="Times New Roman" panose="02020603050405020304" pitchFamily="18" charset="0"/>
+              </a:rPr>
+              <a:t>: VirSort2 database with 12 Gb. It mainly consists of viral sequences + a small amount of non-viral training data.</a:t>
+            </a:r>
+          </a:p>
+          <a:p>
+            <a:pPr marL="0" indent="0">
+              <a:buNone/>
+            </a:pPr>
+            <a:r>
+              <a:rPr lang="en-US" sz="2400" dirty="0">
+                <a:latin typeface="Times New Roman" panose="02020603050405020304" pitchFamily="18" charset="0"/>
+                <a:cs typeface="Times New Roman" panose="02020603050405020304" pitchFamily="18" charset="0"/>
+              </a:rPr>
+              <a:t>    3. </a:t>
+            </a:r>
+            <a:r>
+              <a:rPr lang="en-US" sz="2400" dirty="0" err="1">
+                <a:solidFill>
+                  <a:srgbClr val="FF0000"/>
+                </a:solidFill>
+                <a:latin typeface="Times New Roman" panose="02020603050405020304" pitchFamily="18" charset="0"/>
+                <a:cs typeface="Times New Roman" panose="02020603050405020304" pitchFamily="18" charset="0"/>
+              </a:rPr>
+              <a:t>viralFlye</a:t>
+            </a:r>
+            <a:r>
+              <a:rPr lang="en-US" sz="2400" dirty="0">
+                <a:solidFill>
+                  <a:srgbClr val="FF0000"/>
+                </a:solidFill>
+                <a:latin typeface="Times New Roman" panose="02020603050405020304" pitchFamily="18" charset="0"/>
+                <a:cs typeface="Times New Roman" panose="02020603050405020304" pitchFamily="18" charset="0"/>
+              </a:rPr>
+              <a:t>: </a:t>
+            </a:r>
+            <a:r>
+              <a:rPr lang="en-US" sz="2400" dirty="0" err="1">
+                <a:latin typeface="Times New Roman" panose="02020603050405020304" pitchFamily="18" charset="0"/>
+                <a:cs typeface="Times New Roman" panose="02020603050405020304" pitchFamily="18" charset="0"/>
+              </a:rPr>
+              <a:t>Pfam</a:t>
+            </a:r>
+            <a:r>
+              <a:rPr lang="en-US" sz="2400" dirty="0">
+                <a:latin typeface="Times New Roman" panose="02020603050405020304" pitchFamily="18" charset="0"/>
+                <a:cs typeface="Times New Roman" panose="02020603050405020304" pitchFamily="18" charset="0"/>
+              </a:rPr>
+              <a:t> database</a:t>
+            </a:r>
+          </a:p>
+          <a:p>
+            <a:r>
+              <a:rPr lang="en-US" sz="2400" b="1" dirty="0">
+                <a:latin typeface="Times New Roman" panose="02020603050405020304" pitchFamily="18" charset="0"/>
+                <a:cs typeface="Times New Roman" panose="02020603050405020304" pitchFamily="18" charset="0"/>
+              </a:rPr>
+              <a:t>Strategy</a:t>
+            </a:r>
+            <a:r>
+              <a:rPr lang="en-US" sz="2400" dirty="0">
+                <a:latin typeface="Times New Roman" panose="02020603050405020304" pitchFamily="18" charset="0"/>
+                <a:cs typeface="Times New Roman" panose="02020603050405020304" pitchFamily="18" charset="0"/>
+              </a:rPr>
+              <a:t>: VirSorter2 + </a:t>
+            </a:r>
+            <a:r>
+              <a:rPr lang="en-US" sz="2400" dirty="0" err="1">
+                <a:latin typeface="Times New Roman" panose="02020603050405020304" pitchFamily="18" charset="0"/>
+                <a:cs typeface="Times New Roman" panose="02020603050405020304" pitchFamily="18" charset="0"/>
+              </a:rPr>
+              <a:t>DeepVirFinder</a:t>
+            </a:r>
+            <a:r>
+              <a:rPr lang="en-US" sz="2400" dirty="0">
+                <a:latin typeface="Times New Roman" panose="02020603050405020304" pitchFamily="18" charset="0"/>
+                <a:cs typeface="Times New Roman" panose="02020603050405020304" pitchFamily="18" charset="0"/>
+              </a:rPr>
+              <a:t> + </a:t>
+            </a:r>
+            <a:r>
+              <a:rPr lang="en-US" sz="2400" dirty="0" err="1">
+                <a:latin typeface="Times New Roman" panose="02020603050405020304" pitchFamily="18" charset="0"/>
+                <a:cs typeface="Times New Roman" panose="02020603050405020304" pitchFamily="18" charset="0"/>
+              </a:rPr>
+              <a:t>viralFlye</a:t>
+            </a:r>
+            <a:r>
+              <a:rPr lang="en-US" sz="2400" dirty="0">
+                <a:latin typeface="Times New Roman" panose="02020603050405020304" pitchFamily="18" charset="0"/>
+                <a:cs typeface="Times New Roman" panose="02020603050405020304" pitchFamily="18" charset="0"/>
+              </a:rPr>
+              <a:t> voting</a:t>
+            </a:r>
           </a:p>
           <a:p>
             <a:r>
@@ -4858,6 +5118,15 @@
           </a:p>
           <a:p>
             <a:r>
+              <a:rPr lang="en-US" sz="2400" dirty="0">
+                <a:latin typeface="Times New Roman" panose="02020603050405020304" pitchFamily="18" charset="0"/>
+                <a:cs typeface="Times New Roman" panose="02020603050405020304" pitchFamily="18" charset="0"/>
+              </a:rPr>
+              <a:t>Database: Kraken2 viral reference database</a:t>
+            </a:r>
+          </a:p>
+          <a:p>
+            <a:r>
               <a:rPr lang="en-US" sz="2400" b="1" dirty="0">
                 <a:latin typeface="Times New Roman" panose="02020603050405020304" pitchFamily="18" charset="0"/>
                 <a:cs typeface="Times New Roman" panose="02020603050405020304" pitchFamily="18" charset="0"/>
@@ -5886,18 +6155,11 @@
           </a:p>
           <a:p>
             <a:r>
-              <a:rPr lang="en-US" sz="4200" dirty="0" err="1">
-                <a:latin typeface="Times New Roman" panose="02020603050405020304" pitchFamily="18" charset="0"/>
-                <a:cs typeface="Times New Roman" panose="02020603050405020304" pitchFamily="18" charset="0"/>
-              </a:rPr>
-              <a:t>sourmash</a:t>
-            </a:r>
-            <a:r>
               <a:rPr lang="en-US" sz="4200" dirty="0">
                 <a:latin typeface="Times New Roman" panose="02020603050405020304" pitchFamily="18" charset="0"/>
                 <a:cs typeface="Times New Roman" panose="02020603050405020304" pitchFamily="18" charset="0"/>
               </a:rPr>
-              <a:t> (extremely small sketch)</a:t>
+              <a:t>sourmash (extremely small sketch)</a:t>
             </a:r>
           </a:p>
           <a:p>
@@ -7428,7 +7690,7 @@
                     <a:p>
                       <a:pPr algn="ctr"/>
                       <a:r>
-                        <a:rPr lang="en-US" sz="1200" b="1">
+                        <a:rPr lang="en-US" sz="1200" b="1" dirty="0">
                           <a:effectLst/>
                         </a:rPr>
                         <a:t>sourmash</a:t>
@@ -11906,21 +12168,7 @@
                 <a:latin typeface="Times New Roman" panose="02020603050405020304" pitchFamily="18" charset="0"/>
                 <a:cs typeface="Times New Roman" panose="02020603050405020304" pitchFamily="18" charset="0"/>
               </a:rPr>
-              <a:t>GOTTCHA2 / </a:t>
-            </a:r>
-            <a:r>
-              <a:rPr lang="en-US" dirty="0" err="1">
-                <a:latin typeface="Times New Roman" panose="02020603050405020304" pitchFamily="18" charset="0"/>
-                <a:cs typeface="Times New Roman" panose="02020603050405020304" pitchFamily="18" charset="0"/>
-              </a:rPr>
-              <a:t>sourmash</a:t>
-            </a:r>
-            <a:r>
-              <a:rPr lang="en-US" dirty="0">
-                <a:latin typeface="Times New Roman" panose="02020603050405020304" pitchFamily="18" charset="0"/>
-                <a:cs typeface="Times New Roman" panose="02020603050405020304" pitchFamily="18" charset="0"/>
-              </a:rPr>
-              <a:t> / assembly evidence (key target confirmation)</a:t>
+              <a:t>GOTTCHA2 / sourmash / assembly evidence (key target confirmation)</a:t>
             </a:r>
           </a:p>
           <a:p>
@@ -14412,7 +14660,7 @@
               <a:buAutoNum type="arabicPeriod"/>
             </a:pPr>
             <a:r>
-              <a:rPr lang="en-US" sz="2400" b="1" dirty="0" err="1">
+              <a:rPr lang="en-US" sz="2400" b="1" dirty="0">
                 <a:solidFill>
                   <a:srgbClr val="1F2328"/>
                 </a:solidFill>
@@ -15471,21 +15719,21 @@
           <p:nvPr>
             <p:extLst>
               <p:ext uri="{D42A27DB-BD31-4B8C-83A1-F6EECF244321}">
-                <p14:modId xmlns:p14="http://schemas.microsoft.com/office/powerpoint/2010/main" val="1281612364"/>
+                <p14:modId xmlns:p14="http://schemas.microsoft.com/office/powerpoint/2010/main" val="2289165962"/>
               </p:ext>
             </p:extLst>
           </p:nvPr>
         </p:nvGraphicFramePr>
         <p:xfrm>
-          <a:off x="457200" y="2011521"/>
-          <a:ext cx="8229600" cy="2606040"/>
+          <a:off x="430653" y="2011521"/>
+          <a:ext cx="8256147" cy="2606040"/>
         </p:xfrm>
         <a:graphic>
           <a:graphicData uri="http://schemas.openxmlformats.org/drawingml/2006/table">
             <a:tbl>
               <a:tblPr/>
               <a:tblGrid>
-                <a:gridCol w="1513185">
+                <a:gridCol w="1539732">
                   <a:extLst>
                     <a:ext uri="{9D8B030D-6E8A-4147-A177-3AD203B41FA5}">
                       <a16:colId xmlns:a16="http://schemas.microsoft.com/office/drawing/2014/main" val="3639206590"/>
@@ -15759,14 +16007,14 @@
                     <a:p>
                       <a:pPr algn="l"/>
                       <a:r>
-                        <a:rPr lang="en-US" b="1">
+                        <a:rPr lang="en-US" b="1" dirty="0">
                           <a:effectLst/>
                           <a:latin typeface="Times New Roman" panose="02020603050405020304" pitchFamily="18" charset="0"/>
                           <a:cs typeface="Times New Roman" panose="02020603050405020304" pitchFamily="18" charset="0"/>
                         </a:rPr>
                         <a:t>SURPI+</a:t>
                       </a:r>
-                      <a:endParaRPr lang="en-US">
+                      <a:endParaRPr lang="en-US" dirty="0">
                         <a:effectLst/>
                         <a:latin typeface="Times New Roman" panose="02020603050405020304" pitchFamily="18" charset="0"/>
                         <a:cs typeface="Times New Roman" panose="02020603050405020304" pitchFamily="18" charset="0"/>
@@ -15822,12 +16070,44 @@
                     <a:p>
                       <a:pPr algn="l"/>
                       <a:r>
-                        <a:rPr lang="en-US">
+                        <a:rPr lang="en-US" dirty="0">
                           <a:effectLst/>
                           <a:latin typeface="Times New Roman" panose="02020603050405020304" pitchFamily="18" charset="0"/>
                           <a:cs typeface="Times New Roman" panose="02020603050405020304" pitchFamily="18" charset="0"/>
                         </a:rPr>
-                        <a:t>Container requires sudo; conflicts with Apptainer security policy</a:t>
+                        <a:t>Container requires </a:t>
+                      </a:r>
+                      <a:r>
+                        <a:rPr lang="en-US" dirty="0" err="1">
+                          <a:effectLst/>
+                          <a:latin typeface="Times New Roman" panose="02020603050405020304" pitchFamily="18" charset="0"/>
+                          <a:cs typeface="Times New Roman" panose="02020603050405020304" pitchFamily="18" charset="0"/>
+                        </a:rPr>
+                        <a:t>sudo</a:t>
+                      </a:r>
+                      <a:r>
+                        <a:rPr lang="en-US" dirty="0">
+                          <a:effectLst/>
+                          <a:latin typeface="Times New Roman" panose="02020603050405020304" pitchFamily="18" charset="0"/>
+                          <a:cs typeface="Times New Roman" panose="02020603050405020304" pitchFamily="18" charset="0"/>
+                        </a:rPr>
+                        <a:t>; conflicts with </a:t>
+                      </a:r>
+                      <a:r>
+                        <a:rPr lang="en-US" dirty="0" err="1">
+                          <a:effectLst/>
+                          <a:latin typeface="Times New Roman" panose="02020603050405020304" pitchFamily="18" charset="0"/>
+                          <a:cs typeface="Times New Roman" panose="02020603050405020304" pitchFamily="18" charset="0"/>
+                        </a:rPr>
+                        <a:t>Apptainer</a:t>
+                      </a:r>
+                      <a:r>
+                        <a:rPr lang="en-US" dirty="0">
+                          <a:effectLst/>
+                          <a:latin typeface="Times New Roman" panose="02020603050405020304" pitchFamily="18" charset="0"/>
+                          <a:cs typeface="Times New Roman" panose="02020603050405020304" pitchFamily="18" charset="0"/>
+                        </a:rPr>
+                        <a:t> security policy</a:t>
                       </a:r>
                     </a:p>
                   </a:txBody>
@@ -15887,14 +16167,14 @@
                     <a:p>
                       <a:pPr algn="l"/>
                       <a:r>
-                        <a:rPr lang="en-US" b="1">
+                        <a:rPr lang="en-US" b="1" dirty="0">
                           <a:effectLst/>
                           <a:latin typeface="Times New Roman" panose="02020603050405020304" pitchFamily="18" charset="0"/>
                           <a:cs typeface="Times New Roman" panose="02020603050405020304" pitchFamily="18" charset="0"/>
                         </a:rPr>
                         <a:t>DHO Lab</a:t>
                       </a:r>
-                      <a:endParaRPr lang="en-US">
+                      <a:endParaRPr lang="en-US" dirty="0">
                         <a:effectLst/>
                         <a:latin typeface="Times New Roman" panose="02020603050405020304" pitchFamily="18" charset="0"/>
                         <a:cs typeface="Times New Roman" panose="02020603050405020304" pitchFamily="18" charset="0"/>
@@ -15950,12 +16230,28 @@
                     <a:p>
                       <a:pPr algn="l"/>
                       <a:r>
-                        <a:rPr lang="en-US">
+                        <a:rPr lang="en-US" dirty="0">
                           <a:effectLst/>
                           <a:latin typeface="Times New Roman" panose="02020603050405020304" pitchFamily="18" charset="0"/>
                           <a:cs typeface="Times New Roman" panose="02020603050405020304" pitchFamily="18" charset="0"/>
                         </a:rPr>
-                        <a:t>Container sudo dependency; complex source dependency chain</a:t>
+                        <a:t>Container </a:t>
+                      </a:r>
+                      <a:r>
+                        <a:rPr lang="en-US" dirty="0" err="1">
+                          <a:effectLst/>
+                          <a:latin typeface="Times New Roman" panose="02020603050405020304" pitchFamily="18" charset="0"/>
+                          <a:cs typeface="Times New Roman" panose="02020603050405020304" pitchFamily="18" charset="0"/>
+                        </a:rPr>
+                        <a:t>sudo</a:t>
+                      </a:r>
+                      <a:r>
+                        <a:rPr lang="en-US" dirty="0">
+                          <a:effectLst/>
+                          <a:latin typeface="Times New Roman" panose="02020603050405020304" pitchFamily="18" charset="0"/>
+                          <a:cs typeface="Times New Roman" panose="02020603050405020304" pitchFamily="18" charset="0"/>
+                        </a:rPr>
+                        <a:t> dependency; complex source dependency chain</a:t>
                       </a:r>
                     </a:p>
                   </a:txBody>
@@ -16078,12 +16374,28 @@
                     <a:p>
                       <a:pPr algn="l"/>
                       <a:r>
-                        <a:rPr lang="en-US">
+                        <a:rPr lang="en-US" dirty="0">
                           <a:effectLst/>
                           <a:latin typeface="Times New Roman" panose="02020603050405020304" pitchFamily="18" charset="0"/>
                           <a:cs typeface="Times New Roman" panose="02020603050405020304" pitchFamily="18" charset="0"/>
                         </a:rPr>
-                        <a:t>Container sudo dependency; complex source dependency chain</a:t>
+                        <a:t>Container </a:t>
+                      </a:r>
+                      <a:r>
+                        <a:rPr lang="en-US" dirty="0" err="1">
+                          <a:effectLst/>
+                          <a:latin typeface="Times New Roman" panose="02020603050405020304" pitchFamily="18" charset="0"/>
+                          <a:cs typeface="Times New Roman" panose="02020603050405020304" pitchFamily="18" charset="0"/>
+                        </a:rPr>
+                        <a:t>sudo</a:t>
+                      </a:r>
+                      <a:r>
+                        <a:rPr lang="en-US" dirty="0">
+                          <a:effectLst/>
+                          <a:latin typeface="Times New Roman" panose="02020603050405020304" pitchFamily="18" charset="0"/>
+                          <a:cs typeface="Times New Roman" panose="02020603050405020304" pitchFamily="18" charset="0"/>
+                        </a:rPr>
+                        <a:t> dependency; complex source dependency chain</a:t>
                       </a:r>
                     </a:p>
                   </a:txBody>
@@ -16817,7 +17129,7 @@
         <p:spPr>
           <a:xfrm>
             <a:off x="755118" y="1194911"/>
-            <a:ext cx="8129311" cy="4555093"/>
+            <a:ext cx="8129311" cy="4247317"/>
           </a:xfrm>
           <a:prstGeom prst="rect">
             <a:avLst/>
@@ -16999,6 +17311,26 @@
             </a:r>
           </a:p>
           <a:p>
+            <a:r>
+              <a:rPr lang="en-US" sz="2000" b="1" dirty="0">
+                <a:solidFill>
+                  <a:srgbClr val="1F2328"/>
+                </a:solidFill>
+                <a:latin typeface="Times New Roman" panose="02020603050405020304" pitchFamily="18" charset="0"/>
+                <a:cs typeface="Times New Roman" panose="02020603050405020304" pitchFamily="18" charset="0"/>
+              </a:rPr>
+              <a:t>Database</a:t>
+            </a:r>
+            <a:r>
+              <a:rPr lang="en-US" sz="2000" dirty="0">
+                <a:solidFill>
+                  <a:srgbClr val="1F2328"/>
+                </a:solidFill>
+                <a:latin typeface="Times New Roman" panose="02020603050405020304" pitchFamily="18" charset="0"/>
+                <a:cs typeface="Times New Roman" panose="02020603050405020304" pitchFamily="18" charset="0"/>
+              </a:rPr>
+              <a:t>: Pre-built Kraken2 viral database</a:t>
+            </a:r>
             <a:endParaRPr lang="en-US" sz="2000" b="1" dirty="0">
               <a:solidFill>
                 <a:srgbClr val="1F2328"/>
@@ -17048,8 +17380,6 @@
               </a:rPr>
               <a:t> Fully Compatible</a:t>
             </a:r>
-          </a:p>
-          <a:p>
             <a:endParaRPr lang="en-US" sz="2000" b="1" dirty="0">
               <a:solidFill>
                 <a:srgbClr val="1F2328"/>
@@ -17238,7 +17568,7 @@
         <p:spPr>
           <a:xfrm>
             <a:off x="761017" y="1307886"/>
-            <a:ext cx="8020173" cy="4555093"/>
+            <a:ext cx="8020173" cy="3600986"/>
           </a:xfrm>
           <a:prstGeom prst="rect">
             <a:avLst/>
@@ -17289,8 +17619,6 @@
               </a:rPr>
               <a:t>: High-specificity classification based on unique signature fragments</a:t>
             </a:r>
-          </a:p>
-          <a:p>
             <a:endParaRPr lang="en-US" sz="2000" b="1" dirty="0">
               <a:solidFill>
                 <a:srgbClr val="1F2328"/>
@@ -17318,10 +17646,28 @@
                 <a:latin typeface="Times New Roman" panose="02020603050405020304" pitchFamily="18" charset="0"/>
                 <a:cs typeface="Times New Roman" panose="02020603050405020304" pitchFamily="18" charset="0"/>
               </a:rPr>
-              <a:t>: Only reports when hitting species-specific regions</a:t>
-            </a:r>
-          </a:p>
-          <a:p>
+              <a:t>: Only reports when hitting </a:t>
+            </a:r>
+            <a:r>
+              <a:rPr lang="en-US" sz="2000" dirty="0">
+                <a:solidFill>
+                  <a:srgbClr val="FF0000"/>
+                </a:solidFill>
+                <a:latin typeface="Times New Roman" panose="02020603050405020304" pitchFamily="18" charset="0"/>
+                <a:cs typeface="Times New Roman" panose="02020603050405020304" pitchFamily="18" charset="0"/>
+              </a:rPr>
+              <a:t>species-specific</a:t>
+            </a:r>
+            <a:r>
+              <a:rPr lang="en-US" sz="2000" dirty="0">
+                <a:solidFill>
+                  <a:srgbClr val="1F2328"/>
+                </a:solidFill>
+                <a:latin typeface="Times New Roman" panose="02020603050405020304" pitchFamily="18" charset="0"/>
+                <a:cs typeface="Times New Roman" panose="02020603050405020304" pitchFamily="18" charset="0"/>
+              </a:rPr>
+              <a:t> regions</a:t>
+            </a:r>
             <a:endParaRPr lang="en-US" sz="2000" b="1" dirty="0">
               <a:solidFill>
                 <a:srgbClr val="1F2328"/>
@@ -17371,8 +17717,6 @@
               </a:rPr>
               <a:t> Compatible (Minimap2 friendly to long reads)</a:t>
             </a:r>
-          </a:p>
-          <a:p>
             <a:endParaRPr lang="en-US" sz="2000" b="1" dirty="0">
               <a:solidFill>
                 <a:srgbClr val="1F2328"/>
@@ -17400,10 +17744,18 @@
                 <a:latin typeface="Times New Roman" panose="02020603050405020304" pitchFamily="18" charset="0"/>
                 <a:cs typeface="Times New Roman" panose="02020603050405020304" pitchFamily="18" charset="0"/>
               </a:rPr>
-              <a:t>: Extremely low false positive rate</a:t>
-            </a:r>
-          </a:p>
-          <a:p>
+              <a:t>: </a:t>
+            </a:r>
+            <a:r>
+              <a:rPr lang="en-US" sz="2000" dirty="0">
+                <a:solidFill>
+                  <a:srgbClr val="FF0000"/>
+                </a:solidFill>
+                <a:latin typeface="Times New Roman" panose="02020603050405020304" pitchFamily="18" charset="0"/>
+                <a:cs typeface="Times New Roman" panose="02020603050405020304" pitchFamily="18" charset="0"/>
+              </a:rPr>
+              <a:t>Extremely low false positive rate</a:t>
+            </a:r>
             <a:endParaRPr lang="en-US" sz="2000" b="1" dirty="0">
               <a:solidFill>
                 <a:srgbClr val="1F2328"/>
@@ -17435,13 +17787,86 @@
             </a:r>
           </a:p>
           <a:p>
-            <a:endParaRPr lang="en-US" sz="2000" b="1" dirty="0">
-              <a:solidFill>
-                <a:srgbClr val="1F2328"/>
-              </a:solidFill>
-              <a:latin typeface="Times New Roman" panose="02020603050405020304" pitchFamily="18" charset="0"/>
-              <a:cs typeface="Times New Roman" panose="02020603050405020304" pitchFamily="18" charset="0"/>
-            </a:endParaRPr>
+            <a:r>
+              <a:rPr lang="en-US" sz="2000" b="1" dirty="0">
+                <a:solidFill>
+                  <a:srgbClr val="1F2328"/>
+                </a:solidFill>
+                <a:latin typeface="Times New Roman" panose="02020603050405020304" pitchFamily="18" charset="0"/>
+                <a:cs typeface="Times New Roman" panose="02020603050405020304" pitchFamily="18" charset="0"/>
+              </a:rPr>
+              <a:t>Database: </a:t>
+            </a:r>
+            <a:r>
+              <a:rPr lang="en-US" sz="2000" dirty="0" err="1">
+                <a:solidFill>
+                  <a:srgbClr val="1F2328"/>
+                </a:solidFill>
+                <a:latin typeface="Times New Roman" panose="02020603050405020304" pitchFamily="18" charset="0"/>
+                <a:cs typeface="Times New Roman" panose="02020603050405020304" pitchFamily="18" charset="0"/>
+              </a:rPr>
+              <a:t>RefSeq</a:t>
+            </a:r>
+            <a:r>
+              <a:rPr lang="en-US" sz="2000" dirty="0">
+                <a:solidFill>
+                  <a:srgbClr val="1F2328"/>
+                </a:solidFill>
+                <a:latin typeface="Times New Roman" panose="02020603050405020304" pitchFamily="18" charset="0"/>
+                <a:cs typeface="Times New Roman" panose="02020603050405020304" pitchFamily="18" charset="0"/>
+              </a:rPr>
+              <a:t> Bacteria, Archaea </a:t>
+            </a:r>
+            <a:r>
+              <a:rPr lang="en-US" altLang="zh-CN" sz="2000" dirty="0">
+                <a:solidFill>
+                  <a:srgbClr val="1F2328"/>
+                </a:solidFill>
+                <a:latin typeface="Times New Roman" panose="02020603050405020304" pitchFamily="18" charset="0"/>
+                <a:cs typeface="Times New Roman" panose="02020603050405020304" pitchFamily="18" charset="0"/>
+              </a:rPr>
+              <a:t>and</a:t>
+            </a:r>
+            <a:r>
+              <a:rPr lang="zh-CN" altLang="en-US" sz="2000" dirty="0">
+                <a:solidFill>
+                  <a:srgbClr val="1F2328"/>
+                </a:solidFill>
+                <a:latin typeface="Times New Roman" panose="02020603050405020304" pitchFamily="18" charset="0"/>
+                <a:cs typeface="Times New Roman" panose="02020603050405020304" pitchFamily="18" charset="0"/>
+              </a:rPr>
+              <a:t> </a:t>
+            </a:r>
+            <a:r>
+              <a:rPr lang="en-US" sz="2000" dirty="0">
+                <a:solidFill>
+                  <a:srgbClr val="1F2328"/>
+                </a:solidFill>
+                <a:latin typeface="Times New Roman" panose="02020603050405020304" pitchFamily="18" charset="0"/>
+                <a:cs typeface="Times New Roman" panose="02020603050405020304" pitchFamily="18" charset="0"/>
+              </a:rPr>
+              <a:t>Viruses with the </a:t>
+            </a:r>
+            <a:r>
+              <a:rPr lang="en-US" sz="2000" dirty="0" err="1">
+                <a:solidFill>
+                  <a:srgbClr val="1F2328"/>
+                </a:solidFill>
+                <a:latin typeface="Times New Roman" panose="02020603050405020304" pitchFamily="18" charset="0"/>
+                <a:cs typeface="Times New Roman" panose="02020603050405020304" pitchFamily="18" charset="0"/>
+              </a:rPr>
+              <a:t>gottcha_db.species.fna.mmi</a:t>
+            </a:r>
+            <a:r>
+              <a:rPr lang="en-US" sz="2000" dirty="0">
+                <a:solidFill>
+                  <a:srgbClr val="1F2328"/>
+                </a:solidFill>
+                <a:latin typeface="Times New Roman" panose="02020603050405020304" pitchFamily="18" charset="0"/>
+                <a:cs typeface="Times New Roman" panose="02020603050405020304" pitchFamily="18" charset="0"/>
+              </a:rPr>
+              <a:t> file of 100.35 Gb.</a:t>
+            </a:r>
           </a:p>
           <a:p>
             <a:r>
